--- a/Лекция 4.pptx
+++ b/Лекция 4.pptx
@@ -288,11 +288,11 @@
           <c:showPercent val="0"/>
           <c:showBubbleSize val="0"/>
         </c:dLbls>
-        <c:axId val="165711344"/>
-        <c:axId val="165711904"/>
+        <c:axId val="159689168"/>
+        <c:axId val="159689728"/>
       </c:scatterChart>
       <c:valAx>
-        <c:axId val="165711344"/>
+        <c:axId val="159689168"/>
         <c:scaling>
           <c:orientation val="minMax"/>
           <c:max val="5"/>
@@ -350,13 +350,13 @@
             <a:endParaRPr lang="ru-RU"/>
           </a:p>
         </c:txPr>
-        <c:crossAx val="165711904"/>
+        <c:crossAx val="159689728"/>
         <c:crosses val="autoZero"/>
         <c:crossBetween val="midCat"/>
         <c:majorUnit val="1"/>
       </c:valAx>
       <c:valAx>
-        <c:axId val="165711904"/>
+        <c:axId val="159689728"/>
         <c:scaling>
           <c:orientation val="minMax"/>
           <c:max val="5"/>
@@ -414,7 +414,7 @@
             <a:endParaRPr lang="ru-RU"/>
           </a:p>
         </c:txPr>
-        <c:crossAx val="165711344"/>
+        <c:crossAx val="159689168"/>
         <c:crosses val="autoZero"/>
         <c:crossBetween val="midCat"/>
         <c:majorUnit val="1"/>
@@ -562,11 +562,11 @@
           <c:showPercent val="0"/>
           <c:showBubbleSize val="0"/>
         </c:dLbls>
-        <c:axId val="165394080"/>
-        <c:axId val="165394640"/>
+        <c:axId val="165943312"/>
+        <c:axId val="165944432"/>
       </c:scatterChart>
       <c:valAx>
-        <c:axId val="165394080"/>
+        <c:axId val="165943312"/>
         <c:scaling>
           <c:orientation val="minMax"/>
           <c:max val="5"/>
@@ -624,13 +624,13 @@
             <a:endParaRPr lang="ru-RU"/>
           </a:p>
         </c:txPr>
-        <c:crossAx val="165394640"/>
+        <c:crossAx val="165944432"/>
         <c:crosses val="autoZero"/>
         <c:crossBetween val="midCat"/>
         <c:majorUnit val="1"/>
       </c:valAx>
       <c:valAx>
-        <c:axId val="165394640"/>
+        <c:axId val="165944432"/>
         <c:scaling>
           <c:orientation val="minMax"/>
           <c:max val="5"/>
@@ -688,7 +688,7 @@
             <a:endParaRPr lang="ru-RU"/>
           </a:p>
         </c:txPr>
-        <c:crossAx val="165394080"/>
+        <c:crossAx val="165943312"/>
         <c:crosses val="autoZero"/>
         <c:crossBetween val="midCat"/>
         <c:majorUnit val="1"/>
@@ -836,11 +836,11 @@
           <c:showPercent val="0"/>
           <c:showBubbleSize val="0"/>
         </c:dLbls>
-        <c:axId val="165397440"/>
-        <c:axId val="165039680"/>
+        <c:axId val="165948352"/>
+        <c:axId val="165948912"/>
       </c:scatterChart>
       <c:valAx>
-        <c:axId val="165397440"/>
+        <c:axId val="165948352"/>
         <c:scaling>
           <c:orientation val="minMax"/>
           <c:max val="5"/>
@@ -898,13 +898,13 @@
             <a:endParaRPr lang="ru-RU"/>
           </a:p>
         </c:txPr>
-        <c:crossAx val="165039680"/>
+        <c:crossAx val="165948912"/>
         <c:crosses val="autoZero"/>
         <c:crossBetween val="midCat"/>
         <c:majorUnit val="1"/>
       </c:valAx>
       <c:valAx>
-        <c:axId val="165039680"/>
+        <c:axId val="165948912"/>
         <c:scaling>
           <c:orientation val="minMax"/>
           <c:max val="5"/>
@@ -962,7 +962,7 @@
             <a:endParaRPr lang="ru-RU"/>
           </a:p>
         </c:txPr>
-        <c:crossAx val="165397440"/>
+        <c:crossAx val="165948352"/>
         <c:crosses val="autoZero"/>
         <c:crossBetween val="midCat"/>
         <c:majorUnit val="1"/>
@@ -1110,11 +1110,11 @@
           <c:showPercent val="0"/>
           <c:showBubbleSize val="0"/>
         </c:dLbls>
-        <c:axId val="165041920"/>
-        <c:axId val="165042480"/>
+        <c:axId val="164442992"/>
+        <c:axId val="164443552"/>
       </c:scatterChart>
       <c:valAx>
-        <c:axId val="165041920"/>
+        <c:axId val="164442992"/>
         <c:scaling>
           <c:orientation val="minMax"/>
           <c:max val="5"/>
@@ -1172,13 +1172,13 @@
             <a:endParaRPr lang="ru-RU"/>
           </a:p>
         </c:txPr>
-        <c:crossAx val="165042480"/>
+        <c:crossAx val="164443552"/>
         <c:crosses val="autoZero"/>
         <c:crossBetween val="midCat"/>
         <c:majorUnit val="1"/>
       </c:valAx>
       <c:valAx>
-        <c:axId val="165042480"/>
+        <c:axId val="164443552"/>
         <c:scaling>
           <c:orientation val="minMax"/>
           <c:max val="5"/>
@@ -1236,7 +1236,7 @@
             <a:endParaRPr lang="ru-RU"/>
           </a:p>
         </c:txPr>
-        <c:crossAx val="165041920"/>
+        <c:crossAx val="164442992"/>
         <c:crosses val="autoZero"/>
         <c:crossBetween val="midCat"/>
         <c:majorUnit val="1"/>
@@ -1384,11 +1384,11 @@
           <c:showPercent val="0"/>
           <c:showBubbleSize val="0"/>
         </c:dLbls>
-        <c:axId val="165270656"/>
-        <c:axId val="116859072"/>
+        <c:axId val="164445792"/>
+        <c:axId val="164446352"/>
       </c:scatterChart>
       <c:valAx>
-        <c:axId val="165270656"/>
+        <c:axId val="164445792"/>
         <c:scaling>
           <c:orientation val="minMax"/>
           <c:max val="5"/>
@@ -1446,13 +1446,13 @@
             <a:endParaRPr lang="ru-RU"/>
           </a:p>
         </c:txPr>
-        <c:crossAx val="116859072"/>
+        <c:crossAx val="164446352"/>
         <c:crosses val="autoZero"/>
         <c:crossBetween val="midCat"/>
         <c:majorUnit val="1"/>
       </c:valAx>
       <c:valAx>
-        <c:axId val="116859072"/>
+        <c:axId val="164446352"/>
         <c:scaling>
           <c:orientation val="minMax"/>
           <c:max val="5"/>
@@ -1510,7 +1510,7 @@
             <a:endParaRPr lang="ru-RU"/>
           </a:p>
         </c:txPr>
-        <c:crossAx val="165270656"/>
+        <c:crossAx val="164445792"/>
         <c:crosses val="autoZero"/>
         <c:crossBetween val="midCat"/>
         <c:majorUnit val="1"/>
@@ -1658,11 +1658,11 @@
           <c:showPercent val="0"/>
           <c:showBubbleSize val="0"/>
         </c:dLbls>
-        <c:axId val="207348960"/>
-        <c:axId val="205507248"/>
+        <c:axId val="196252928"/>
+        <c:axId val="196254608"/>
       </c:scatterChart>
       <c:valAx>
-        <c:axId val="207348960"/>
+        <c:axId val="196252928"/>
         <c:scaling>
           <c:orientation val="minMax"/>
           <c:max val="5"/>
@@ -1720,13 +1720,13 @@
             <a:endParaRPr lang="ru-RU"/>
           </a:p>
         </c:txPr>
-        <c:crossAx val="205507248"/>
+        <c:crossAx val="196254608"/>
         <c:crosses val="autoZero"/>
         <c:crossBetween val="midCat"/>
         <c:majorUnit val="1"/>
       </c:valAx>
       <c:valAx>
-        <c:axId val="205507248"/>
+        <c:axId val="196254608"/>
         <c:scaling>
           <c:orientation val="minMax"/>
           <c:max val="5"/>
@@ -1784,7 +1784,7 @@
             <a:endParaRPr lang="ru-RU"/>
           </a:p>
         </c:txPr>
-        <c:crossAx val="207348960"/>
+        <c:crossAx val="196252928"/>
         <c:crosses val="autoZero"/>
         <c:crossBetween val="midCat"/>
         <c:majorUnit val="1"/>
@@ -5242,7 +5242,7 @@
           <a:p>
             <a:fld id="{44DBC884-B382-4302-8488-D4E467EB670D}" type="datetimeFigureOut">
               <a:rPr lang="ru-RU" smtClean="0"/>
-              <a:t>13.10.2020</a:t>
+              <a:t>23.09.2021</a:t>
             </a:fld>
             <a:endParaRPr lang="ru-RU" dirty="0"/>
           </a:p>
@@ -5641,7 +5641,7 @@
           <a:p>
             <a:fld id="{9F4DF3D0-C105-404D-A43B-7CBA1B97B744}" type="datetimeFigureOut">
               <a:rPr lang="ru-RU" smtClean="0"/>
-              <a:t>13.10.2020</a:t>
+              <a:t>23.09.2021</a:t>
             </a:fld>
             <a:endParaRPr lang="ru-RU" dirty="0"/>
           </a:p>
@@ -5811,7 +5811,7 @@
           <a:p>
             <a:fld id="{9F4DF3D0-C105-404D-A43B-7CBA1B97B744}" type="datetimeFigureOut">
               <a:rPr lang="ru-RU" smtClean="0"/>
-              <a:t>13.10.2020</a:t>
+              <a:t>23.09.2021</a:t>
             </a:fld>
             <a:endParaRPr lang="ru-RU" dirty="0"/>
           </a:p>
@@ -5991,7 +5991,7 @@
           <a:p>
             <a:fld id="{9F4DF3D0-C105-404D-A43B-7CBA1B97B744}" type="datetimeFigureOut">
               <a:rPr lang="ru-RU" smtClean="0"/>
-              <a:t>13.10.2020</a:t>
+              <a:t>23.09.2021</a:t>
             </a:fld>
             <a:endParaRPr lang="ru-RU" dirty="0"/>
           </a:p>
@@ -6161,7 +6161,7 @@
           <a:p>
             <a:fld id="{9F4DF3D0-C105-404D-A43B-7CBA1B97B744}" type="datetimeFigureOut">
               <a:rPr lang="ru-RU" smtClean="0"/>
-              <a:t>13.10.2020</a:t>
+              <a:t>23.09.2021</a:t>
             </a:fld>
             <a:endParaRPr lang="ru-RU" dirty="0"/>
           </a:p>
@@ -6407,7 +6407,7 @@
           <a:p>
             <a:fld id="{9F4DF3D0-C105-404D-A43B-7CBA1B97B744}" type="datetimeFigureOut">
               <a:rPr lang="ru-RU" smtClean="0"/>
-              <a:t>13.10.2020</a:t>
+              <a:t>23.09.2021</a:t>
             </a:fld>
             <a:endParaRPr lang="ru-RU" dirty="0"/>
           </a:p>
@@ -6639,7 +6639,7 @@
           <a:p>
             <a:fld id="{9F4DF3D0-C105-404D-A43B-7CBA1B97B744}" type="datetimeFigureOut">
               <a:rPr lang="ru-RU" smtClean="0"/>
-              <a:t>13.10.2020</a:t>
+              <a:t>23.09.2021</a:t>
             </a:fld>
             <a:endParaRPr lang="ru-RU" dirty="0"/>
           </a:p>
@@ -7006,7 +7006,7 @@
           <a:p>
             <a:fld id="{9F4DF3D0-C105-404D-A43B-7CBA1B97B744}" type="datetimeFigureOut">
               <a:rPr lang="ru-RU" smtClean="0"/>
-              <a:t>13.10.2020</a:t>
+              <a:t>23.09.2021</a:t>
             </a:fld>
             <a:endParaRPr lang="ru-RU" dirty="0"/>
           </a:p>
@@ -7124,7 +7124,7 @@
           <a:p>
             <a:fld id="{9F4DF3D0-C105-404D-A43B-7CBA1B97B744}" type="datetimeFigureOut">
               <a:rPr lang="ru-RU" smtClean="0"/>
-              <a:t>13.10.2020</a:t>
+              <a:t>23.09.2021</a:t>
             </a:fld>
             <a:endParaRPr lang="ru-RU" dirty="0"/>
           </a:p>
@@ -7219,7 +7219,7 @@
           <a:p>
             <a:fld id="{9F4DF3D0-C105-404D-A43B-7CBA1B97B744}" type="datetimeFigureOut">
               <a:rPr lang="ru-RU" smtClean="0"/>
-              <a:t>13.10.2020</a:t>
+              <a:t>23.09.2021</a:t>
             </a:fld>
             <a:endParaRPr lang="ru-RU" dirty="0"/>
           </a:p>
@@ -7496,7 +7496,7 @@
           <a:p>
             <a:fld id="{9F4DF3D0-C105-404D-A43B-7CBA1B97B744}" type="datetimeFigureOut">
               <a:rPr lang="ru-RU" smtClean="0"/>
-              <a:t>13.10.2020</a:t>
+              <a:t>23.09.2021</a:t>
             </a:fld>
             <a:endParaRPr lang="ru-RU" dirty="0"/>
           </a:p>
@@ -7749,7 +7749,7 @@
           <a:p>
             <a:fld id="{9F4DF3D0-C105-404D-A43B-7CBA1B97B744}" type="datetimeFigureOut">
               <a:rPr lang="ru-RU" smtClean="0"/>
-              <a:t>13.10.2020</a:t>
+              <a:t>23.09.2021</a:t>
             </a:fld>
             <a:endParaRPr lang="ru-RU" dirty="0"/>
           </a:p>
@@ -7962,7 +7962,7 @@
           <a:p>
             <a:fld id="{9F4DF3D0-C105-404D-A43B-7CBA1B97B744}" type="datetimeFigureOut">
               <a:rPr lang="ru-RU" smtClean="0"/>
-              <a:t>13.10.2020</a:t>
+              <a:t>23.09.2021</a:t>
             </a:fld>
             <a:endParaRPr lang="ru-RU" dirty="0"/>
           </a:p>
@@ -8978,7 +8978,7 @@
             <p:spPr/>
             <p:txBody>
               <a:bodyPr>
-                <a:normAutofit lnSpcReduction="10000"/>
+                <a:normAutofit/>
               </a:bodyPr>
               <a:lstStyle/>
               <a:p>
@@ -8989,28 +8989,38 @@
                 <a14:m>
                   <m:oMath xmlns:m="http://schemas.openxmlformats.org/officeDocument/2006/math">
                     <m:r>
-                      <a:rPr lang="en-US" smtClean="0"/>
+                      <a:rPr lang="en-US" smtClean="0">
+                        <a:latin typeface="Cambria Math" panose="02040503050406030204" pitchFamily="18" charset="0"/>
+                      </a:rPr>
                       <m:t>𝑓</m:t>
                     </m:r>
                     <m:d>
                       <m:dPr>
                         <m:ctrlPr>
-                          <a:rPr lang="en-US" smtClean="0"/>
+                          <a:rPr lang="en-US" i="1" smtClean="0">
+                            <a:latin typeface="Cambria Math" panose="02040503050406030204" pitchFamily="18" charset="0"/>
+                          </a:rPr>
                         </m:ctrlPr>
                       </m:dPr>
                       <m:e>
                         <m:r>
-                          <a:rPr lang="en-US" smtClean="0"/>
+                          <a:rPr lang="en-US" smtClean="0">
+                            <a:latin typeface="Cambria Math" panose="02040503050406030204" pitchFamily="18" charset="0"/>
+                          </a:rPr>
                           <m:t>𝑥</m:t>
                         </m:r>
                       </m:e>
                     </m:d>
                     <m:r>
-                      <a:rPr lang="en-US" smtClean="0"/>
+                      <a:rPr lang="en-US" smtClean="0">
+                        <a:latin typeface="Cambria Math" panose="02040503050406030204" pitchFamily="18" charset="0"/>
+                      </a:rPr>
                       <m:t>=</m:t>
                     </m:r>
                     <m:r>
-                      <a:rPr lang="en-US" smtClean="0"/>
+                      <a:rPr lang="en-US" smtClean="0">
+                        <a:latin typeface="Cambria Math" panose="02040503050406030204" pitchFamily="18" charset="0"/>
+                      </a:rPr>
                       <m:t>𝑥</m:t>
                     </m:r>
                   </m:oMath>
@@ -9029,48 +9039,64 @@
                     <m:d>
                       <m:dPr>
                         <m:ctrlPr>
-                          <a:rPr lang="ru-RU"/>
+                          <a:rPr lang="ru-RU" i="1">
+                            <a:latin typeface="Cambria Math" panose="02040503050406030204" pitchFamily="18" charset="0"/>
+                          </a:rPr>
                         </m:ctrlPr>
                       </m:dPr>
                       <m:e>
                         <m:sSub>
                           <m:sSubPr>
                             <m:ctrlPr>
-                              <a:rPr lang="ru-RU"/>
+                              <a:rPr lang="ru-RU" i="1">
+                                <a:latin typeface="Cambria Math" panose="02040503050406030204" pitchFamily="18" charset="0"/>
+                              </a:rPr>
                             </m:ctrlPr>
                           </m:sSubPr>
                           <m:e>
                             <m:r>
-                              <a:rPr lang="en-US"/>
+                              <a:rPr lang="en-US">
+                                <a:latin typeface="Cambria Math" panose="02040503050406030204" pitchFamily="18" charset="0"/>
+                              </a:rPr>
                               <m:t>𝑥</m:t>
                             </m:r>
                           </m:e>
                           <m:sub>
                             <m:r>
-                              <a:rPr lang="ru-RU"/>
+                              <a:rPr lang="ru-RU">
+                                <a:latin typeface="Cambria Math" panose="02040503050406030204" pitchFamily="18" charset="0"/>
+                              </a:rPr>
                               <m:t>1</m:t>
                             </m:r>
                           </m:sub>
                         </m:sSub>
                         <m:r>
-                          <a:rPr lang="en-US"/>
+                          <a:rPr lang="en-US">
+                            <a:latin typeface="Cambria Math" panose="02040503050406030204" pitchFamily="18" charset="0"/>
+                          </a:rPr>
                           <m:t>, </m:t>
                         </m:r>
                         <m:sSub>
                           <m:sSubPr>
                             <m:ctrlPr>
-                              <a:rPr lang="en-US"/>
+                              <a:rPr lang="en-US" i="1">
+                                <a:latin typeface="Cambria Math" panose="02040503050406030204" pitchFamily="18" charset="0"/>
+                              </a:rPr>
                             </m:ctrlPr>
                           </m:sSubPr>
                           <m:e>
                             <m:r>
-                              <a:rPr lang="en-US"/>
+                              <a:rPr lang="en-US">
+                                <a:latin typeface="Cambria Math" panose="02040503050406030204" pitchFamily="18" charset="0"/>
+                              </a:rPr>
                               <m:t>𝑦</m:t>
                             </m:r>
                           </m:e>
                           <m:sub>
                             <m:r>
-                              <a:rPr lang="ru-RU"/>
+                              <a:rPr lang="ru-RU">
+                                <a:latin typeface="Cambria Math" panose="02040503050406030204" pitchFamily="18" charset="0"/>
+                              </a:rPr>
                               <m:t>1</m:t>
                             </m:r>
                           </m:sub>
@@ -9078,15 +9104,21 @@
                       </m:e>
                     </m:d>
                     <m:r>
-                      <a:rPr lang="ru-RU"/>
+                      <a:rPr lang="ru-RU">
+                        <a:latin typeface="Cambria Math" panose="02040503050406030204" pitchFamily="18" charset="0"/>
+                      </a:rPr>
                       <m:t>=(1</m:t>
                     </m:r>
                     <m:r>
-                      <a:rPr lang="en-US"/>
+                      <a:rPr lang="en-US">
+                        <a:latin typeface="Cambria Math" panose="02040503050406030204" pitchFamily="18" charset="0"/>
+                      </a:rPr>
                       <m:t>,1</m:t>
                     </m:r>
                     <m:r>
-                      <a:rPr lang="ru-RU"/>
+                      <a:rPr lang="ru-RU">
+                        <a:latin typeface="Cambria Math" panose="02040503050406030204" pitchFamily="18" charset="0"/>
+                      </a:rPr>
                       <m:t>)</m:t>
                     </m:r>
                   </m:oMath>
@@ -9098,31 +9130,41 @@
                 <a14:m>
                   <m:oMath xmlns:m="http://schemas.openxmlformats.org/officeDocument/2006/math">
                     <m:r>
-                      <a:rPr lang="en-US"/>
+                      <a:rPr lang="en-US">
+                        <a:latin typeface="Cambria Math" panose="02040503050406030204" pitchFamily="18" charset="0"/>
+                      </a:rPr>
                       <m:t>𝑓</m:t>
                     </m:r>
                     <m:d>
                       <m:dPr>
                         <m:ctrlPr>
-                          <a:rPr lang="en-US"/>
+                          <a:rPr lang="en-US" i="1">
+                            <a:latin typeface="Cambria Math" panose="02040503050406030204" pitchFamily="18" charset="0"/>
+                          </a:rPr>
                         </m:ctrlPr>
                       </m:dPr>
                       <m:e>
                         <m:sSub>
                           <m:sSubPr>
                             <m:ctrlPr>
-                              <a:rPr lang="en-US" smtClean="0"/>
+                              <a:rPr lang="en-US" i="1" smtClean="0">
+                                <a:latin typeface="Cambria Math" panose="02040503050406030204" pitchFamily="18" charset="0"/>
+                              </a:rPr>
                             </m:ctrlPr>
                           </m:sSubPr>
                           <m:e>
                             <m:r>
-                              <a:rPr lang="en-US" smtClean="0"/>
+                              <a:rPr lang="en-US" smtClean="0">
+                                <a:latin typeface="Cambria Math" panose="02040503050406030204" pitchFamily="18" charset="0"/>
+                              </a:rPr>
                               <m:t>𝑥</m:t>
                             </m:r>
                           </m:e>
                           <m:sub>
                             <m:r>
-                              <a:rPr lang="en-US" smtClean="0"/>
+                              <a:rPr lang="en-US" smtClean="0">
+                                <a:latin typeface="Cambria Math" panose="02040503050406030204" pitchFamily="18" charset="0"/>
+                              </a:rPr>
                               <m:t>1</m:t>
                             </m:r>
                           </m:sub>
@@ -9130,11 +9172,15 @@
                       </m:e>
                     </m:d>
                     <m:r>
-                      <a:rPr lang="en-US"/>
+                      <a:rPr lang="en-US">
+                        <a:latin typeface="Cambria Math" panose="02040503050406030204" pitchFamily="18" charset="0"/>
+                      </a:rPr>
                       <m:t>=</m:t>
                     </m:r>
                     <m:r>
-                      <a:rPr lang="en-US" smtClean="0"/>
+                      <a:rPr lang="en-US" smtClean="0">
+                        <a:latin typeface="Cambria Math" panose="02040503050406030204" pitchFamily="18" charset="0"/>
+                      </a:rPr>
                       <m:t>1</m:t>
                     </m:r>
                   </m:oMath>
@@ -9147,48 +9193,64 @@
                     <m:d>
                       <m:dPr>
                         <m:ctrlPr>
-                          <a:rPr lang="ru-RU"/>
+                          <a:rPr lang="ru-RU" i="1">
+                            <a:latin typeface="Cambria Math" panose="02040503050406030204" pitchFamily="18" charset="0"/>
+                          </a:rPr>
                         </m:ctrlPr>
                       </m:dPr>
                       <m:e>
                         <m:sSub>
                           <m:sSubPr>
                             <m:ctrlPr>
-                              <a:rPr lang="ru-RU"/>
+                              <a:rPr lang="ru-RU" i="1">
+                                <a:latin typeface="Cambria Math" panose="02040503050406030204" pitchFamily="18" charset="0"/>
+                              </a:rPr>
                             </m:ctrlPr>
                           </m:sSubPr>
                           <m:e>
                             <m:r>
-                              <a:rPr lang="en-US"/>
+                              <a:rPr lang="en-US">
+                                <a:latin typeface="Cambria Math" panose="02040503050406030204" pitchFamily="18" charset="0"/>
+                              </a:rPr>
                               <m:t>𝑥</m:t>
                             </m:r>
                           </m:e>
                           <m:sub>
                             <m:r>
-                              <a:rPr lang="ru-RU"/>
+                              <a:rPr lang="ru-RU">
+                                <a:latin typeface="Cambria Math" panose="02040503050406030204" pitchFamily="18" charset="0"/>
+                              </a:rPr>
                               <m:t>2</m:t>
                             </m:r>
                           </m:sub>
                         </m:sSub>
                         <m:r>
-                          <a:rPr lang="en-US"/>
+                          <a:rPr lang="en-US">
+                            <a:latin typeface="Cambria Math" panose="02040503050406030204" pitchFamily="18" charset="0"/>
+                          </a:rPr>
                           <m:t>, </m:t>
                         </m:r>
                         <m:sSub>
                           <m:sSubPr>
                             <m:ctrlPr>
-                              <a:rPr lang="en-US"/>
+                              <a:rPr lang="en-US" i="1">
+                                <a:latin typeface="Cambria Math" panose="02040503050406030204" pitchFamily="18" charset="0"/>
+                              </a:rPr>
                             </m:ctrlPr>
                           </m:sSubPr>
                           <m:e>
                             <m:r>
-                              <a:rPr lang="en-US"/>
+                              <a:rPr lang="en-US">
+                                <a:latin typeface="Cambria Math" panose="02040503050406030204" pitchFamily="18" charset="0"/>
+                              </a:rPr>
                               <m:t>𝑦</m:t>
                             </m:r>
                           </m:e>
                           <m:sub>
                             <m:r>
-                              <a:rPr lang="ru-RU"/>
+                              <a:rPr lang="ru-RU">
+                                <a:latin typeface="Cambria Math" panose="02040503050406030204" pitchFamily="18" charset="0"/>
+                              </a:rPr>
                               <m:t>2</m:t>
                             </m:r>
                           </m:sub>
@@ -9196,11 +9258,15 @@
                       </m:e>
                     </m:d>
                     <m:r>
-                      <a:rPr lang="ru-RU"/>
+                      <a:rPr lang="ru-RU">
+                        <a:latin typeface="Cambria Math" panose="02040503050406030204" pitchFamily="18" charset="0"/>
+                      </a:rPr>
                       <m:t>=</m:t>
                     </m:r>
                     <m:r>
-                      <a:rPr lang="en-US"/>
+                      <a:rPr lang="en-US">
+                        <a:latin typeface="Cambria Math" panose="02040503050406030204" pitchFamily="18" charset="0"/>
+                      </a:rPr>
                       <m:t>(2,2)</m:t>
                     </m:r>
                   </m:oMath>
@@ -9212,31 +9278,41 @@
                 <a14:m>
                   <m:oMath xmlns:m="http://schemas.openxmlformats.org/officeDocument/2006/math">
                     <m:r>
-                      <a:rPr lang="en-US"/>
+                      <a:rPr lang="en-US">
+                        <a:latin typeface="Cambria Math" panose="02040503050406030204" pitchFamily="18" charset="0"/>
+                      </a:rPr>
                       <m:t>𝑓</m:t>
                     </m:r>
                     <m:d>
                       <m:dPr>
                         <m:ctrlPr>
-                          <a:rPr lang="en-US"/>
+                          <a:rPr lang="en-US" i="1">
+                            <a:latin typeface="Cambria Math" panose="02040503050406030204" pitchFamily="18" charset="0"/>
+                          </a:rPr>
                         </m:ctrlPr>
                       </m:dPr>
                       <m:e>
                         <m:sSub>
                           <m:sSubPr>
                             <m:ctrlPr>
-                              <a:rPr lang="en-US"/>
+                              <a:rPr lang="en-US" i="1">
+                                <a:latin typeface="Cambria Math" panose="02040503050406030204" pitchFamily="18" charset="0"/>
+                              </a:rPr>
                             </m:ctrlPr>
                           </m:sSubPr>
                           <m:e>
                             <m:r>
-                              <a:rPr lang="en-US"/>
+                              <a:rPr lang="en-US">
+                                <a:latin typeface="Cambria Math" panose="02040503050406030204" pitchFamily="18" charset="0"/>
+                              </a:rPr>
                               <m:t>𝑥</m:t>
                             </m:r>
                           </m:e>
                           <m:sub>
                             <m:r>
-                              <a:rPr lang="en-US" smtClean="0"/>
+                              <a:rPr lang="en-US" smtClean="0">
+                                <a:latin typeface="Cambria Math" panose="02040503050406030204" pitchFamily="18" charset="0"/>
+                              </a:rPr>
                               <m:t>2</m:t>
                             </m:r>
                           </m:sub>
@@ -9244,11 +9320,15 @@
                       </m:e>
                     </m:d>
                     <m:r>
-                      <a:rPr lang="en-US"/>
+                      <a:rPr lang="en-US">
+                        <a:latin typeface="Cambria Math" panose="02040503050406030204" pitchFamily="18" charset="0"/>
+                      </a:rPr>
                       <m:t>=</m:t>
                     </m:r>
                     <m:r>
-                      <a:rPr lang="en-US" smtClean="0"/>
+                      <a:rPr lang="en-US" smtClean="0">
+                        <a:latin typeface="Cambria Math" panose="02040503050406030204" pitchFamily="18" charset="0"/>
+                      </a:rPr>
                       <m:t>2</m:t>
                     </m:r>
                   </m:oMath>
@@ -9261,48 +9341,64 @@
                     <m:d>
                       <m:dPr>
                         <m:ctrlPr>
-                          <a:rPr lang="ru-RU"/>
+                          <a:rPr lang="ru-RU" i="1">
+                            <a:latin typeface="Cambria Math" panose="02040503050406030204" pitchFamily="18" charset="0"/>
+                          </a:rPr>
                         </m:ctrlPr>
                       </m:dPr>
                       <m:e>
                         <m:sSub>
                           <m:sSubPr>
                             <m:ctrlPr>
-                              <a:rPr lang="ru-RU"/>
+                              <a:rPr lang="ru-RU" i="1">
+                                <a:latin typeface="Cambria Math" panose="02040503050406030204" pitchFamily="18" charset="0"/>
+                              </a:rPr>
                             </m:ctrlPr>
                           </m:sSubPr>
                           <m:e>
                             <m:r>
-                              <a:rPr lang="en-US"/>
+                              <a:rPr lang="en-US">
+                                <a:latin typeface="Cambria Math" panose="02040503050406030204" pitchFamily="18" charset="0"/>
+                              </a:rPr>
                               <m:t>𝑥</m:t>
                             </m:r>
                           </m:e>
                           <m:sub>
                             <m:r>
-                              <a:rPr lang="ru-RU"/>
+                              <a:rPr lang="ru-RU">
+                                <a:latin typeface="Cambria Math" panose="02040503050406030204" pitchFamily="18" charset="0"/>
+                              </a:rPr>
                               <m:t>3</m:t>
                             </m:r>
                           </m:sub>
                         </m:sSub>
                         <m:r>
-                          <a:rPr lang="en-US"/>
+                          <a:rPr lang="en-US">
+                            <a:latin typeface="Cambria Math" panose="02040503050406030204" pitchFamily="18" charset="0"/>
+                          </a:rPr>
                           <m:t>, </m:t>
                         </m:r>
                         <m:sSub>
                           <m:sSubPr>
                             <m:ctrlPr>
-                              <a:rPr lang="en-US"/>
+                              <a:rPr lang="en-US" i="1">
+                                <a:latin typeface="Cambria Math" panose="02040503050406030204" pitchFamily="18" charset="0"/>
+                              </a:rPr>
                             </m:ctrlPr>
                           </m:sSubPr>
                           <m:e>
                             <m:r>
-                              <a:rPr lang="en-US"/>
+                              <a:rPr lang="en-US">
+                                <a:latin typeface="Cambria Math" panose="02040503050406030204" pitchFamily="18" charset="0"/>
+                              </a:rPr>
                               <m:t>𝑦</m:t>
                             </m:r>
                           </m:e>
                           <m:sub>
                             <m:r>
-                              <a:rPr lang="ru-RU"/>
+                              <a:rPr lang="ru-RU">
+                                <a:latin typeface="Cambria Math" panose="02040503050406030204" pitchFamily="18" charset="0"/>
+                              </a:rPr>
                               <m:t>3</m:t>
                             </m:r>
                           </m:sub>
@@ -9310,7 +9406,9 @@
                       </m:e>
                     </m:d>
                     <m:r>
-                      <a:rPr lang="en-US"/>
+                      <a:rPr lang="en-US">
+                        <a:latin typeface="Cambria Math" panose="02040503050406030204" pitchFamily="18" charset="0"/>
+                      </a:rPr>
                       <m:t>=(3,4)</m:t>
                     </m:r>
                   </m:oMath>
@@ -9322,31 +9420,41 @@
                 <a14:m>
                   <m:oMath xmlns:m="http://schemas.openxmlformats.org/officeDocument/2006/math">
                     <m:r>
-                      <a:rPr lang="en-US"/>
+                      <a:rPr lang="en-US">
+                        <a:latin typeface="Cambria Math" panose="02040503050406030204" pitchFamily="18" charset="0"/>
+                      </a:rPr>
                       <m:t>𝑓</m:t>
                     </m:r>
                     <m:d>
                       <m:dPr>
                         <m:ctrlPr>
-                          <a:rPr lang="en-US"/>
+                          <a:rPr lang="en-US" i="1">
+                            <a:latin typeface="Cambria Math" panose="02040503050406030204" pitchFamily="18" charset="0"/>
+                          </a:rPr>
                         </m:ctrlPr>
                       </m:dPr>
                       <m:e>
                         <m:sSub>
                           <m:sSubPr>
                             <m:ctrlPr>
-                              <a:rPr lang="en-US" smtClean="0"/>
+                              <a:rPr lang="en-US" i="1" smtClean="0">
+                                <a:latin typeface="Cambria Math" panose="02040503050406030204" pitchFamily="18" charset="0"/>
+                              </a:rPr>
                             </m:ctrlPr>
                           </m:sSubPr>
                           <m:e>
                             <m:r>
-                              <a:rPr lang="en-US"/>
+                              <a:rPr lang="en-US">
+                                <a:latin typeface="Cambria Math" panose="02040503050406030204" pitchFamily="18" charset="0"/>
+                              </a:rPr>
                               <m:t>𝑥</m:t>
                             </m:r>
                           </m:e>
                           <m:sub>
                             <m:r>
-                              <a:rPr lang="en-US" smtClean="0"/>
+                              <a:rPr lang="en-US" smtClean="0">
+                                <a:latin typeface="Cambria Math" panose="02040503050406030204" pitchFamily="18" charset="0"/>
+                              </a:rPr>
                               <m:t>3</m:t>
                             </m:r>
                           </m:sub>
@@ -9354,11 +9462,15 @@
                       </m:e>
                     </m:d>
                     <m:r>
-                      <a:rPr lang="en-US"/>
+                      <a:rPr lang="en-US">
+                        <a:latin typeface="Cambria Math" panose="02040503050406030204" pitchFamily="18" charset="0"/>
+                      </a:rPr>
                       <m:t>=</m:t>
                     </m:r>
                     <m:r>
-                      <a:rPr lang="en-US" smtClean="0"/>
+                      <a:rPr lang="en-US" smtClean="0">
+                        <a:latin typeface="Cambria Math" panose="02040503050406030204" pitchFamily="18" charset="0"/>
+                      </a:rPr>
                       <m:t>3</m:t>
                     </m:r>
                   </m:oMath>
@@ -9371,48 +9483,64 @@
                     <m:d>
                       <m:dPr>
                         <m:ctrlPr>
-                          <a:rPr lang="ru-RU"/>
+                          <a:rPr lang="ru-RU" i="1">
+                            <a:latin typeface="Cambria Math" panose="02040503050406030204" pitchFamily="18" charset="0"/>
+                          </a:rPr>
                         </m:ctrlPr>
                       </m:dPr>
                       <m:e>
                         <m:sSub>
                           <m:sSubPr>
                             <m:ctrlPr>
-                              <a:rPr lang="ru-RU"/>
+                              <a:rPr lang="ru-RU" i="1">
+                                <a:latin typeface="Cambria Math" panose="02040503050406030204" pitchFamily="18" charset="0"/>
+                              </a:rPr>
                             </m:ctrlPr>
                           </m:sSubPr>
                           <m:e>
                             <m:r>
-                              <a:rPr lang="en-US"/>
+                              <a:rPr lang="en-US">
+                                <a:latin typeface="Cambria Math" panose="02040503050406030204" pitchFamily="18" charset="0"/>
+                              </a:rPr>
                               <m:t>𝑥</m:t>
                             </m:r>
                           </m:e>
                           <m:sub>
                             <m:r>
-                              <a:rPr lang="ru-RU"/>
+                              <a:rPr lang="ru-RU">
+                                <a:latin typeface="Cambria Math" panose="02040503050406030204" pitchFamily="18" charset="0"/>
+                              </a:rPr>
                               <m:t>4</m:t>
                             </m:r>
                           </m:sub>
                         </m:sSub>
                         <m:r>
-                          <a:rPr lang="en-US"/>
+                          <a:rPr lang="en-US">
+                            <a:latin typeface="Cambria Math" panose="02040503050406030204" pitchFamily="18" charset="0"/>
+                          </a:rPr>
                           <m:t>, </m:t>
                         </m:r>
                         <m:sSub>
                           <m:sSubPr>
                             <m:ctrlPr>
-                              <a:rPr lang="en-US"/>
+                              <a:rPr lang="en-US" i="1">
+                                <a:latin typeface="Cambria Math" panose="02040503050406030204" pitchFamily="18" charset="0"/>
+                              </a:rPr>
                             </m:ctrlPr>
                           </m:sSubPr>
                           <m:e>
                             <m:r>
-                              <a:rPr lang="en-US"/>
+                              <a:rPr lang="en-US">
+                                <a:latin typeface="Cambria Math" panose="02040503050406030204" pitchFamily="18" charset="0"/>
+                              </a:rPr>
                               <m:t>𝑦</m:t>
                             </m:r>
                           </m:e>
                           <m:sub>
                             <m:r>
-                              <a:rPr lang="ru-RU"/>
+                              <a:rPr lang="ru-RU">
+                                <a:latin typeface="Cambria Math" panose="02040503050406030204" pitchFamily="18" charset="0"/>
+                              </a:rPr>
                               <m:t>4</m:t>
                             </m:r>
                           </m:sub>
@@ -9420,7 +9548,9 @@
                       </m:e>
                     </m:d>
                     <m:r>
-                      <a:rPr lang="en-US"/>
+                      <a:rPr lang="en-US">
+                        <a:latin typeface="Cambria Math" panose="02040503050406030204" pitchFamily="18" charset="0"/>
+                      </a:rPr>
                       <m:t>=(4,3)</m:t>
                     </m:r>
                   </m:oMath>
@@ -9432,31 +9562,41 @@
                 <a14:m>
                   <m:oMath xmlns:m="http://schemas.openxmlformats.org/officeDocument/2006/math">
                     <m:r>
-                      <a:rPr lang="en-US"/>
+                      <a:rPr lang="en-US">
+                        <a:latin typeface="Cambria Math" panose="02040503050406030204" pitchFamily="18" charset="0"/>
+                      </a:rPr>
                       <m:t>𝑓</m:t>
                     </m:r>
                     <m:d>
                       <m:dPr>
                         <m:ctrlPr>
-                          <a:rPr lang="en-US"/>
+                          <a:rPr lang="en-US" i="1">
+                            <a:latin typeface="Cambria Math" panose="02040503050406030204" pitchFamily="18" charset="0"/>
+                          </a:rPr>
                         </m:ctrlPr>
                       </m:dPr>
                       <m:e>
                         <m:sSub>
                           <m:sSubPr>
                             <m:ctrlPr>
-                              <a:rPr lang="en-US"/>
+                              <a:rPr lang="en-US" i="1">
+                                <a:latin typeface="Cambria Math" panose="02040503050406030204" pitchFamily="18" charset="0"/>
+                              </a:rPr>
                             </m:ctrlPr>
                           </m:sSubPr>
                           <m:e>
                             <m:r>
-                              <a:rPr lang="en-US"/>
+                              <a:rPr lang="en-US">
+                                <a:latin typeface="Cambria Math" panose="02040503050406030204" pitchFamily="18" charset="0"/>
+                              </a:rPr>
                               <m:t>𝑥</m:t>
                             </m:r>
                           </m:e>
                           <m:sub>
                             <m:r>
-                              <a:rPr lang="en-US" smtClean="0"/>
+                              <a:rPr lang="en-US" smtClean="0">
+                                <a:latin typeface="Cambria Math" panose="02040503050406030204" pitchFamily="18" charset="0"/>
+                              </a:rPr>
                               <m:t>4</m:t>
                             </m:r>
                           </m:sub>
@@ -9464,11 +9604,15 @@
                       </m:e>
                     </m:d>
                     <m:r>
-                      <a:rPr lang="en-US"/>
+                      <a:rPr lang="en-US">
+                        <a:latin typeface="Cambria Math" panose="02040503050406030204" pitchFamily="18" charset="0"/>
+                      </a:rPr>
                       <m:t>=</m:t>
                     </m:r>
                     <m:r>
-                      <a:rPr lang="en-US" smtClean="0"/>
+                      <a:rPr lang="en-US" smtClean="0">
+                        <a:latin typeface="Cambria Math" panose="02040503050406030204" pitchFamily="18" charset="0"/>
+                      </a:rPr>
                       <m:t>4</m:t>
                     </m:r>
                   </m:oMath>
@@ -9485,28 +9629,38 @@
                       <m:rPr>
                         <m:sty m:val="p"/>
                       </m:rPr>
-                      <a:rPr lang="en-US"/>
+                      <a:rPr lang="en-US">
+                        <a:latin typeface="Cambria Math" panose="02040503050406030204" pitchFamily="18" charset="0"/>
+                      </a:rPr>
                       <m:t>MSE</m:t>
                     </m:r>
                     <m:r>
-                      <a:rPr lang="pt-BR"/>
+                      <a:rPr lang="pt-BR">
+                        <a:latin typeface="Cambria Math" panose="02040503050406030204" pitchFamily="18" charset="0"/>
+                      </a:rPr>
                       <m:t>=</m:t>
                     </m:r>
                     <m:f>
                       <m:fPr>
                         <m:ctrlPr>
-                          <a:rPr lang="pt-BR"/>
+                          <a:rPr lang="pt-BR" i="1">
+                            <a:latin typeface="Cambria Math" panose="02040503050406030204" pitchFamily="18" charset="0"/>
+                          </a:rPr>
                         </m:ctrlPr>
                       </m:fPr>
                       <m:num>
                         <m:r>
-                          <a:rPr lang="en-US"/>
+                          <a:rPr lang="en-US">
+                            <a:latin typeface="Cambria Math" panose="02040503050406030204" pitchFamily="18" charset="0"/>
+                          </a:rPr>
                           <m:t>1</m:t>
                         </m:r>
                       </m:num>
                       <m:den>
                         <m:r>
-                          <a:rPr lang="en-US" smtClean="0"/>
+                          <a:rPr lang="en-US" smtClean="0">
+                            <a:latin typeface="Cambria Math" panose="02040503050406030204" pitchFamily="18" charset="0"/>
+                          </a:rPr>
                           <m:t>4</m:t>
                         </m:r>
                       </m:den>
@@ -9514,26 +9668,34 @@
                     <m:d>
                       <m:dPr>
                         <m:ctrlPr>
-                          <a:rPr lang="en-US" smtClean="0"/>
+                          <a:rPr lang="en-US" i="1" smtClean="0">
+                            <a:latin typeface="Cambria Math" panose="02040503050406030204" pitchFamily="18" charset="0"/>
+                          </a:rPr>
                         </m:ctrlPr>
                       </m:dPr>
                       <m:e>
                         <m:sSup>
                           <m:sSupPr>
                             <m:ctrlPr>
-                              <a:rPr lang="en-US" smtClean="0"/>
+                              <a:rPr lang="en-US" i="1" smtClean="0">
+                                <a:latin typeface="Cambria Math" panose="02040503050406030204" pitchFamily="18" charset="0"/>
+                              </a:rPr>
                             </m:ctrlPr>
                           </m:sSupPr>
                           <m:e>
                             <m:d>
                               <m:dPr>
                                 <m:ctrlPr>
-                                  <a:rPr lang="en-US" smtClean="0"/>
+                                  <a:rPr lang="en-US" i="1" smtClean="0">
+                                    <a:latin typeface="Cambria Math" panose="02040503050406030204" pitchFamily="18" charset="0"/>
+                                  </a:rPr>
                                 </m:ctrlPr>
                               </m:dPr>
                               <m:e>
                                 <m:r>
-                                  <a:rPr lang="en-US" smtClean="0"/>
+                                  <a:rPr lang="en-US" smtClean="0">
+                                    <a:latin typeface="Cambria Math" panose="02040503050406030204" pitchFamily="18" charset="0"/>
+                                  </a:rPr>
                                   <m:t>1−1</m:t>
                                 </m:r>
                               </m:e>
@@ -9541,31 +9703,41 @@
                           </m:e>
                           <m:sup>
                             <m:r>
-                              <a:rPr lang="en-US" smtClean="0"/>
+                              <a:rPr lang="en-US" smtClean="0">
+                                <a:latin typeface="Cambria Math" panose="02040503050406030204" pitchFamily="18" charset="0"/>
+                              </a:rPr>
                               <m:t>2</m:t>
                             </m:r>
                           </m:sup>
                         </m:sSup>
                         <m:r>
-                          <a:rPr lang="en-US" smtClean="0"/>
+                          <a:rPr lang="en-US" smtClean="0">
+                            <a:latin typeface="Cambria Math" panose="02040503050406030204" pitchFamily="18" charset="0"/>
+                          </a:rPr>
                           <m:t>+</m:t>
                         </m:r>
                         <m:sSup>
                           <m:sSupPr>
                             <m:ctrlPr>
-                              <a:rPr lang="en-US"/>
+                              <a:rPr lang="en-US" i="1">
+                                <a:latin typeface="Cambria Math" panose="02040503050406030204" pitchFamily="18" charset="0"/>
+                              </a:rPr>
                             </m:ctrlPr>
                           </m:sSupPr>
                           <m:e>
                             <m:d>
                               <m:dPr>
                                 <m:ctrlPr>
-                                  <a:rPr lang="en-US"/>
+                                  <a:rPr lang="en-US" i="1">
+                                    <a:latin typeface="Cambria Math" panose="02040503050406030204" pitchFamily="18" charset="0"/>
+                                  </a:rPr>
                                 </m:ctrlPr>
                               </m:dPr>
                               <m:e>
                                 <m:r>
-                                  <a:rPr lang="en-US" smtClean="0"/>
+                                  <a:rPr lang="en-US" smtClean="0">
+                                    <a:latin typeface="Cambria Math" panose="02040503050406030204" pitchFamily="18" charset="0"/>
+                                  </a:rPr>
                                   <m:t>2−2</m:t>
                                 </m:r>
                               </m:e>
@@ -9573,31 +9745,41 @@
                           </m:e>
                           <m:sup>
                             <m:r>
-                              <a:rPr lang="en-US"/>
+                              <a:rPr lang="en-US">
+                                <a:latin typeface="Cambria Math" panose="02040503050406030204" pitchFamily="18" charset="0"/>
+                              </a:rPr>
                               <m:t>2</m:t>
                             </m:r>
                           </m:sup>
                         </m:sSup>
                         <m:r>
-                          <a:rPr lang="en-US" smtClean="0"/>
+                          <a:rPr lang="en-US" smtClean="0">
+                            <a:latin typeface="Cambria Math" panose="02040503050406030204" pitchFamily="18" charset="0"/>
+                          </a:rPr>
                           <m:t>+</m:t>
                         </m:r>
                         <m:sSup>
                           <m:sSupPr>
                             <m:ctrlPr>
-                              <a:rPr lang="en-US"/>
+                              <a:rPr lang="en-US" i="1">
+                                <a:latin typeface="Cambria Math" panose="02040503050406030204" pitchFamily="18" charset="0"/>
+                              </a:rPr>
                             </m:ctrlPr>
                           </m:sSupPr>
                           <m:e>
                             <m:d>
                               <m:dPr>
                                 <m:ctrlPr>
-                                  <a:rPr lang="en-US"/>
+                                  <a:rPr lang="en-US" i="1">
+                                    <a:latin typeface="Cambria Math" panose="02040503050406030204" pitchFamily="18" charset="0"/>
+                                  </a:rPr>
                                 </m:ctrlPr>
                               </m:dPr>
                               <m:e>
                                 <m:r>
-                                  <a:rPr lang="en-US" smtClean="0"/>
+                                  <a:rPr lang="en-US" smtClean="0">
+                                    <a:latin typeface="Cambria Math" panose="02040503050406030204" pitchFamily="18" charset="0"/>
+                                  </a:rPr>
                                   <m:t>4−3</m:t>
                                 </m:r>
                               </m:e>
@@ -9605,31 +9787,41 @@
                           </m:e>
                           <m:sup>
                             <m:r>
-                              <a:rPr lang="en-US"/>
+                              <a:rPr lang="en-US">
+                                <a:latin typeface="Cambria Math" panose="02040503050406030204" pitchFamily="18" charset="0"/>
+                              </a:rPr>
                               <m:t>2</m:t>
                             </m:r>
                           </m:sup>
                         </m:sSup>
                         <m:r>
-                          <a:rPr lang="en-US" smtClean="0"/>
+                          <a:rPr lang="en-US" smtClean="0">
+                            <a:latin typeface="Cambria Math" panose="02040503050406030204" pitchFamily="18" charset="0"/>
+                          </a:rPr>
                           <m:t>+</m:t>
                         </m:r>
                         <m:sSup>
                           <m:sSupPr>
                             <m:ctrlPr>
-                              <a:rPr lang="en-US"/>
+                              <a:rPr lang="en-US" i="1">
+                                <a:latin typeface="Cambria Math" panose="02040503050406030204" pitchFamily="18" charset="0"/>
+                              </a:rPr>
                             </m:ctrlPr>
                           </m:sSupPr>
                           <m:e>
                             <m:d>
                               <m:dPr>
                                 <m:ctrlPr>
-                                  <a:rPr lang="en-US"/>
+                                  <a:rPr lang="en-US" i="1">
+                                    <a:latin typeface="Cambria Math" panose="02040503050406030204" pitchFamily="18" charset="0"/>
+                                  </a:rPr>
                                 </m:ctrlPr>
                               </m:dPr>
                               <m:e>
                                 <m:r>
-                                  <a:rPr lang="en-US" smtClean="0"/>
+                                  <a:rPr lang="en-US" smtClean="0">
+                                    <a:latin typeface="Cambria Math" panose="02040503050406030204" pitchFamily="18" charset="0"/>
+                                  </a:rPr>
                                   <m:t>3−4</m:t>
                                 </m:r>
                               </m:e>
@@ -9637,7 +9829,9 @@
                           </m:e>
                           <m:sup>
                             <m:r>
-                              <a:rPr lang="en-US"/>
+                              <a:rPr lang="en-US">
+                                <a:latin typeface="Cambria Math" panose="02040503050406030204" pitchFamily="18" charset="0"/>
+                              </a:rPr>
                               <m:t>2</m:t>
                             </m:r>
                           </m:sup>
@@ -9645,7 +9839,9 @@
                       </m:e>
                     </m:d>
                     <m:r>
-                      <a:rPr lang="en-US" smtClean="0"/>
+                      <a:rPr lang="en-US" smtClean="0">
+                        <a:latin typeface="Cambria Math" panose="02040503050406030204" pitchFamily="18" charset="0"/>
+                      </a:rPr>
                       <m:t>=0,5</m:t>
                     </m:r>
                   </m:oMath>
@@ -9670,7 +9866,7 @@
               <a:blipFill rotWithShape="0">
                 <a:blip r:embed="rId2"/>
                 <a:stretch>
-                  <a:fillRect l="-1043" t="-3081"/>
+                  <a:fillRect l="-1043" t="-2241"/>
                 </a:stretch>
               </a:blipFill>
             </p:spPr>
@@ -19832,8 +20028,8 @@
           </a:p>
         </p:txBody>
       </p:sp>
-      <mc:AlternateContent xmlns:mc="http://schemas.openxmlformats.org/markup-compatibility/2006">
-        <mc:Choice xmlns:a14="http://schemas.microsoft.com/office/drawing/2010/main" Requires="a14">
+      <mc:AlternateContent xmlns:mc="http://schemas.openxmlformats.org/markup-compatibility/2006" xmlns:a14="http://schemas.microsoft.com/office/drawing/2010/main">
+        <mc:Choice Requires="a14">
           <p:sp>
             <p:nvSpPr>
               <p:cNvPr id="3" name="Объект 2"/>
@@ -20017,11 +20213,7 @@
                 </a:r>
                 <a:r>
                   <a:rPr lang="ru-RU" dirty="0" smtClean="0"/>
-                  <a:t>называется предиктором или </a:t>
-                </a:r>
-                <a:r>
-                  <a:rPr lang="ru-RU" dirty="0" smtClean="0"/>
-                  <a:t>регрессором,</a:t>
+                  <a:t>называется предиктором или регрессором,</a:t>
                 </a:r>
               </a:p>
               <a:p>
@@ -20257,7 +20449,7 @@
             </p:txBody>
           </p:sp>
         </mc:Choice>
-        <mc:Fallback>
+        <mc:Fallback xmlns="">
           <p:sp>
             <p:nvSpPr>
               <p:cNvPr id="3" name="Объект 2"/>
@@ -23542,11 +23734,7 @@
             </a:r>
             <a:r>
               <a:rPr lang="en-US" dirty="0" smtClean="0"/>
-              <a:t>bias</a:t>
-            </a:r>
-            <a:r>
-              <a:rPr lang="en-US" dirty="0" smtClean="0"/>
-              <a:t>)</a:t>
+              <a:t>bias)</a:t>
             </a:r>
             <a:endParaRPr lang="ru-RU" dirty="0" smtClean="0"/>
           </a:p>
@@ -23568,11 +23756,7 @@
             </a:r>
             <a:r>
               <a:rPr lang="ru-RU" dirty="0" smtClean="0"/>
-              <a:t>расстояние </a:t>
-            </a:r>
-            <a:r>
-              <a:rPr lang="ru-RU" dirty="0" smtClean="0"/>
-              <a:t>от прогноза модели до реального значения.</a:t>
+              <a:t>расстояние от прогноза модели до реального значения.</a:t>
             </a:r>
           </a:p>
           <a:p>
@@ -23591,11 +23775,7 @@
             </a:r>
             <a:r>
               <a:rPr lang="en-US" dirty="0" smtClean="0"/>
-              <a:t>variance</a:t>
-            </a:r>
-            <a:r>
-              <a:rPr lang="en-US" dirty="0" smtClean="0"/>
-              <a:t>)</a:t>
+              <a:t>variance)</a:t>
             </a:r>
             <a:endParaRPr lang="ru-RU" dirty="0" smtClean="0"/>
           </a:p>
@@ -23613,19 +23793,7 @@
             </a:r>
             <a:r>
               <a:rPr lang="ru-RU" dirty="0" smtClean="0"/>
-              <a:t>р</a:t>
-            </a:r>
-            <a:r>
-              <a:rPr lang="ru-RU" dirty="0" smtClean="0"/>
-              <a:t>асстояние </a:t>
-            </a:r>
-            <a:r>
-              <a:rPr lang="ru-RU" dirty="0" smtClean="0"/>
-              <a:t>от прогноза модели до среднего прогноза модели</a:t>
-            </a:r>
-            <a:r>
-              <a:rPr lang="ru-RU" dirty="0" smtClean="0"/>
-              <a:t>.</a:t>
+              <a:t>расстояние от прогноза модели до среднего прогноза модели.</a:t>
             </a:r>
             <a:endParaRPr lang="en-US" dirty="0" smtClean="0"/>
           </a:p>
@@ -25281,15 +25449,7 @@
             </a:pPr>
             <a:r>
               <a:rPr lang="ru-RU" dirty="0" smtClean="0"/>
-              <a:t>Регуляризация – добавление дополнительных слагаемых к </a:t>
-            </a:r>
-            <a:r>
-              <a:rPr lang="ru-RU" dirty="0" smtClean="0"/>
-              <a:t>метрике </a:t>
-            </a:r>
-            <a:r>
-              <a:rPr lang="ru-RU" dirty="0" smtClean="0"/>
-              <a:t>производительности для того, чтобы штрафовать модель за излишне сложные решения и, таким образом, препятствовать переобучению.</a:t>
+              <a:t>Регуляризация – добавление дополнительных слагаемых к метрике производительности для того, чтобы штрафовать модель за излишне сложные решения и, таким образом, препятствовать переобучению.</a:t>
             </a:r>
           </a:p>
           <a:p>
@@ -27967,7 +28127,7 @@
         <p:spPr/>
         <p:txBody>
           <a:bodyPr>
-            <a:normAutofit fontScale="92500" lnSpcReduction="10000"/>
+            <a:normAutofit/>
           </a:bodyPr>
           <a:lstStyle/>
           <a:p>
@@ -28062,20 +28222,39 @@
           </a:p>
           <a:p>
             <a:r>
+              <a:rPr lang="en-US" dirty="0"/>
+              <a:t> </a:t>
+            </a:r>
+            <a:r>
               <a:rPr lang="en-US" dirty="0">
                 <a:hlinkClick r:id="rId8"/>
               </a:rPr>
-              <a:t>https://dyakonov.org/2018/03/12/%D0%BB%D0%BE%D0%B3%D0%B8%D1%81%D1%82%D0%B8%D1%87%D0%B5%D1%81%D0%BA%D0%B0%D1%8F-%D1%84%D1%83%D0%BD%D0%BA%D1%86%D0%B8%D1%8F-%D0%BE%D1%88%D0%B8%D0%B1%D0%BA%D0%B8</a:t>
-            </a:r>
-            <a:r>
-              <a:rPr lang="en-US" dirty="0" smtClean="0">
+              <a:t>https://</a:t>
+            </a:r>
+            <a:r>
+              <a:rPr lang="en-US" dirty="0" err="1">
+                <a:hlinkClick r:id="rId8"/>
+              </a:rPr>
+              <a:t>dyakonov.org</a:t>
+            </a:r>
+            <a:r>
+              <a:rPr lang="en-US" dirty="0">
+                <a:hlinkClick r:id="rId8"/>
+              </a:rPr>
+              <a:t>/2018/03/12/</a:t>
+            </a:r>
+            <a:r>
+              <a:rPr lang="ru-RU">
+                <a:hlinkClick r:id="rId8"/>
+              </a:rPr>
+              <a:t>логистическая-функция-ошибки</a:t>
+            </a:r>
+            <a:r>
+              <a:rPr lang="ru-RU" smtClean="0">
                 <a:hlinkClick r:id="rId8"/>
               </a:rPr>
               <a:t>/</a:t>
             </a:r>
-            <a:endParaRPr lang="ru-RU" dirty="0" smtClean="0"/>
-          </a:p>
-          <a:p>
             <a:endParaRPr lang="ru-RU" dirty="0" smtClean="0"/>
           </a:p>
           <a:p>
